--- a/Ingreso en Alvaro Obregon.pptx
+++ b/Ingreso en Alvaro Obregon.pptx
@@ -9159,15 +9159,15 @@
           <a:p>
             <a:pPr marL="305435" indent="-305435"/>
             <a:r>
-              <a:rPr lang="en-US" b="1" err="1"/>
+              <a:rPr lang="en-US" b="1" dirty="0" err="1"/>
               <a:t>Ingreso</a:t>
             </a:r>
             <a:r>
-              <a:rPr lang="en-US" b="1"/>
+              <a:rPr lang="en-US" b="1" dirty="0"/>
               <a:t>. </a:t>
             </a:r>
             <a:r>
-              <a:rPr lang="es">
+              <a:rPr lang="es" dirty="0">
                 <a:ea typeface="+mn-lt"/>
                 <a:cs typeface="+mn-lt"/>
               </a:rPr>
@@ -9177,140 +9177,148 @@
           <a:p>
             <a:pPr marL="305435" indent="-305435"/>
             <a:r>
-              <a:rPr lang="en-US" b="1" err="1"/>
+              <a:rPr lang="en-US" b="1" dirty="0" err="1"/>
               <a:t>Gastos</a:t>
             </a:r>
             <a:r>
-              <a:rPr lang="en-US" b="1"/>
+              <a:rPr lang="en-US" b="1" dirty="0"/>
               <a:t> </a:t>
             </a:r>
             <a:r>
-              <a:rPr lang="en-US" b="1" err="1"/>
+              <a:rPr lang="en-US" b="1" dirty="0" err="1"/>
               <a:t>monetarios</a:t>
             </a:r>
             <a:r>
-              <a:rPr lang="en-US"/>
+              <a:rPr lang="en-US" dirty="0"/>
               <a:t>. Suma de los </a:t>
             </a:r>
             <a:r>
-              <a:rPr lang="en-US" err="1"/>
+              <a:rPr lang="en-US" dirty="0" err="1"/>
               <a:t>gastos</a:t>
             </a:r>
             <a:r>
-              <a:rPr lang="en-US"/>
+              <a:rPr lang="en-US" dirty="0"/>
               <a:t> que </a:t>
             </a:r>
             <a:r>
-              <a:rPr lang="en-US" err="1"/>
+              <a:rPr lang="en-US" dirty="0" err="1"/>
               <a:t>hacen</a:t>
             </a:r>
             <a:r>
-              <a:rPr lang="en-US"/>
+              <a:rPr lang="en-US" dirty="0"/>
               <a:t> los </a:t>
             </a:r>
             <a:r>
-              <a:rPr lang="en-US" err="1"/>
+              <a:rPr lang="en-US" dirty="0" err="1"/>
               <a:t>hogares</a:t>
             </a:r>
             <a:r>
-              <a:rPr lang="en-US"/>
-              <a:t> en </a:t>
-            </a:r>
-            <a:r>
-              <a:rPr lang="en-US" err="1"/>
+              <a:rPr lang="en-US" dirty="0"/>
+              <a:t> </a:t>
+            </a:r>
+            <a:r>
+              <a:rPr lang="en-US" dirty="0" err="1"/>
+              <a:t>en</a:t>
+            </a:r>
+            <a:r>
+              <a:rPr lang="en-US" dirty="0"/>
+              <a:t> </a:t>
+            </a:r>
+            <a:r>
+              <a:rPr lang="en-US" dirty="0" err="1"/>
               <a:t>bienes</a:t>
             </a:r>
             <a:r>
-              <a:rPr lang="en-US"/>
+              <a:rPr lang="en-US" dirty="0"/>
               <a:t> y </a:t>
             </a:r>
             <a:r>
-              <a:rPr lang="en-US" err="1"/>
+              <a:rPr lang="en-US" dirty="0" err="1"/>
               <a:t>servicios</a:t>
             </a:r>
             <a:r>
-              <a:rPr lang="en-US"/>
+              <a:rPr lang="en-US" dirty="0"/>
               <a:t>.</a:t>
             </a:r>
           </a:p>
           <a:p>
             <a:pPr marL="305435" indent="-305435"/>
             <a:r>
-              <a:rPr lang="en-US" b="1" err="1"/>
+              <a:rPr lang="en-US" b="1" dirty="0" err="1"/>
               <a:t>Erogaciones</a:t>
             </a:r>
             <a:r>
-              <a:rPr lang="en-US" b="1"/>
+              <a:rPr lang="en-US" b="1" dirty="0"/>
               <a:t> </a:t>
             </a:r>
             <a:r>
-              <a:rPr lang="en-US" b="1" err="1"/>
+              <a:rPr lang="en-US" b="1" dirty="0" err="1"/>
               <a:t>totales</a:t>
             </a:r>
             <a:r>
-              <a:rPr lang="en-US"/>
+              <a:rPr lang="en-US" dirty="0"/>
               <a:t>. Suma de </a:t>
             </a:r>
             <a:r>
-              <a:rPr lang="en-US" err="1"/>
+              <a:rPr lang="en-US" dirty="0" err="1"/>
               <a:t>depósitos</a:t>
             </a:r>
             <a:r>
-              <a:rPr lang="en-US"/>
+              <a:rPr lang="en-US" dirty="0"/>
               <a:t> de </a:t>
             </a:r>
             <a:r>
-              <a:rPr lang="en-US" err="1"/>
+              <a:rPr lang="en-US" dirty="0" err="1"/>
               <a:t>ahorro</a:t>
             </a:r>
             <a:r>
-              <a:rPr lang="en-US"/>
+              <a:rPr lang="en-US" dirty="0"/>
               <a:t>, </a:t>
             </a:r>
             <a:r>
-              <a:rPr lang="en-US" err="1"/>
+              <a:rPr lang="en-US" dirty="0" err="1"/>
               <a:t>pago</a:t>
             </a:r>
             <a:r>
-              <a:rPr lang="en-US"/>
+              <a:rPr lang="en-US" dirty="0"/>
               <a:t> por </a:t>
             </a:r>
             <a:r>
-              <a:rPr lang="en-US" err="1"/>
+              <a:rPr lang="en-US" dirty="0" err="1"/>
               <a:t>tarjeta</a:t>
             </a:r>
             <a:r>
-              <a:rPr lang="en-US"/>
+              <a:rPr lang="en-US" dirty="0"/>
               <a:t> de </a:t>
             </a:r>
             <a:r>
-              <a:rPr lang="en-US" err="1"/>
+              <a:rPr lang="en-US" dirty="0" err="1"/>
               <a:t>crédito</a:t>
             </a:r>
             <a:r>
-              <a:rPr lang="en-US"/>
+              <a:rPr lang="en-US" dirty="0"/>
               <a:t> y </a:t>
             </a:r>
             <a:r>
-              <a:rPr lang="en-US" err="1"/>
+              <a:rPr lang="en-US" dirty="0" err="1"/>
               <a:t>pago</a:t>
             </a:r>
             <a:r>
-              <a:rPr lang="en-US"/>
+              <a:rPr lang="en-US" dirty="0"/>
               <a:t> de </a:t>
             </a:r>
             <a:r>
-              <a:rPr lang="en-US" err="1"/>
+              <a:rPr lang="en-US" dirty="0" err="1"/>
               <a:t>deudas</a:t>
             </a:r>
             <a:r>
-              <a:rPr lang="en-US"/>
+              <a:rPr lang="en-US" dirty="0"/>
               <a:t>. </a:t>
             </a:r>
           </a:p>
           <a:p>
             <a:pPr marL="0" indent="0"/>
-            <a:endParaRPr lang="en-US"/>
+            <a:endParaRPr lang="en-US" dirty="0"/>
           </a:p>
         </p:txBody>
       </p:sp>
@@ -12860,49 +12868,49 @@
           <a:p>
             <a:pPr marL="305435" indent="-305435"/>
             <a:r>
-              <a:rPr lang="es-ES" b="1">
+              <a:rPr lang="es-ES" b="1" dirty="0">
                 <a:ea typeface="+mn-lt"/>
                 <a:cs typeface="+mn-lt"/>
               </a:rPr>
               <a:t>Media del error</a:t>
             </a:r>
-            <a:endParaRPr lang="es-ES"/>
+            <a:endParaRPr lang="es-ES" dirty="0"/>
           </a:p>
           <a:p>
             <a:pPr marL="0" indent="0" algn="just">
               <a:buNone/>
             </a:pPr>
             <a:r>
-              <a:rPr lang="es-ES">
+              <a:rPr lang="es-ES" dirty="0">
                 <a:ea typeface="+mn-lt"/>
                 <a:cs typeface="+mn-lt"/>
               </a:rPr>
               <a:t>Al utilizar Mínimos Cuadrados Ordinarios e incluir el intercepto      sabemos que, por construcción, la suma de los residuos debe ser cero. </a:t>
             </a:r>
-            <a:endParaRPr lang="es-ES"/>
+            <a:endParaRPr lang="es-ES" dirty="0"/>
           </a:p>
           <a:p>
             <a:pPr marL="0" indent="0" algn="just">
               <a:buNone/>
             </a:pPr>
-            <a:endParaRPr lang="es-ES"/>
+            <a:endParaRPr lang="es-ES" dirty="0"/>
           </a:p>
           <a:p>
             <a:pPr marL="0" indent="0" algn="just">
               <a:buNone/>
             </a:pPr>
-            <a:endParaRPr lang="es-ES">
+            <a:endParaRPr lang="es-ES" dirty="0">
               <a:ea typeface="+mn-lt"/>
               <a:cs typeface="+mn-lt"/>
             </a:endParaRPr>
           </a:p>
           <a:p>
             <a:pPr marL="305435" indent="-305435"/>
-            <a:endParaRPr lang="es-ES" b="1"/>
+            <a:endParaRPr lang="es-ES" b="1" dirty="0"/>
           </a:p>
           <a:p>
             <a:pPr marL="305435" indent="-305435"/>
-            <a:endParaRPr lang="es-ES"/>
+            <a:endParaRPr lang="es-ES" dirty="0"/>
           </a:p>
         </p:txBody>
       </p:sp>
@@ -12962,17 +12970,14 @@
           <a:bodyPr/>
           <a:lstStyle/>
           <a:p>
-            <a:pPr marL="305435" indent="-305435">
-              <a:buFont typeface="'Wingdings 2',Sans-Serif" panose="05020102010507070707" pitchFamily="18" charset="2"/>
-            </a:pPr>
-            <a:r>
-              <a:rPr lang="es-ES" b="1">
+            <a:r>
+              <a:rPr lang="es-ES" b="1" dirty="0" err="1">
                 <a:ea typeface="+mn-lt"/>
                 <a:cs typeface="+mn-lt"/>
               </a:rPr>
               <a:t>Autocorrelación</a:t>
             </a:r>
-            <a:endParaRPr lang="es-ES">
+            <a:endParaRPr lang="es-ES" dirty="0">
               <a:ea typeface="+mn-lt"/>
               <a:cs typeface="+mn-lt"/>
             </a:endParaRPr>
@@ -12982,13 +12987,13 @@
               <a:buNone/>
             </a:pPr>
             <a:r>
-              <a:rPr lang="es-MX">
+              <a:rPr lang="es-MX" dirty="0">
                 <a:ea typeface="+mn-lt"/>
                 <a:cs typeface="+mn-lt"/>
               </a:rPr>
               <a:t>Debido a que nuestra base de datos no es una serie de tiempo ni tiene datos ordenados, no es posible hacer un análisis de autocorrelación de los errores.</a:t>
             </a:r>
-            <a:endParaRPr lang="es-ES"/>
+            <a:endParaRPr lang="es-ES" dirty="0"/>
           </a:p>
         </p:txBody>
       </p:sp>

--- a/Ingreso en Alvaro Obregon.pptx
+++ b/Ingreso en Alvaro Obregon.pptx
@@ -392,7 +392,7 @@
           <a:p>
             <a:fld id="{ED291B17-9318-49DB-B28B-6E5994AE9581}" type="datetime1">
               <a:rPr lang="en-US" smtClean="0"/>
-              <a:t>5/18/20</a:t>
+              <a:t>5/20/2020</a:t>
             </a:fld>
             <a:endParaRPr lang="en-US"/>
           </a:p>
@@ -593,7 +593,7 @@
           <a:p>
             <a:fld id="{2CED4963-E985-44C4-B8C4-FDD613B7C2F8}" type="datetime1">
               <a:rPr lang="en-US" smtClean="0"/>
-              <a:t>5/18/20</a:t>
+              <a:t>5/20/2020</a:t>
             </a:fld>
             <a:endParaRPr lang="en-US"/>
           </a:p>
@@ -953,7 +953,7 @@
           <a:p>
             <a:fld id="{ED291B17-9318-49DB-B28B-6E5994AE9581}" type="datetime1">
               <a:rPr lang="en-US" smtClean="0"/>
-              <a:t>5/18/20</a:t>
+              <a:t>5/20/2020</a:t>
             </a:fld>
             <a:endParaRPr lang="en-US"/>
           </a:p>
@@ -1149,7 +1149,7 @@
           <a:p>
             <a:fld id="{78DD82B9-B8EE-4375-B6FF-88FA6ABB15D9}" type="datetime1">
               <a:rPr lang="en-US" smtClean="0"/>
-              <a:t>5/18/20</a:t>
+              <a:t>5/20/2020</a:t>
             </a:fld>
             <a:endParaRPr lang="en-US"/>
           </a:p>
@@ -1460,7 +1460,7 @@
           <a:p>
             <a:fld id="{B2497495-0637-405E-AE64-5CC7506D51F5}" type="datetime1">
               <a:rPr lang="en-US" smtClean="0"/>
-              <a:t>5/18/20</a:t>
+              <a:t>5/20/2020</a:t>
             </a:fld>
             <a:endParaRPr lang="en-US"/>
           </a:p>
@@ -1710,7 +1710,7 @@
           <a:p>
             <a:fld id="{7BFFD690-9426-415D-8B65-26881E07B2D4}" type="datetime1">
               <a:rPr lang="en-US" smtClean="0"/>
-              <a:t>5/18/20</a:t>
+              <a:t>5/20/2020</a:t>
             </a:fld>
             <a:endParaRPr lang="en-US"/>
           </a:p>
@@ -2129,7 +2129,7 @@
           <a:p>
             <a:fld id="{04C4989A-474C-40DE-95B9-011C28B71673}" type="datetime1">
               <a:rPr lang="en-US" smtClean="0"/>
-              <a:t>5/18/20</a:t>
+              <a:t>5/20/2020</a:t>
             </a:fld>
             <a:endParaRPr lang="en-US"/>
           </a:p>
@@ -2251,7 +2251,7 @@
           <a:p>
             <a:fld id="{5DB4ED54-5B5E-4A04-93D3-5772E3CE3818}" type="datetime1">
               <a:rPr lang="en-US" smtClean="0"/>
-              <a:t>5/18/20</a:t>
+              <a:t>5/20/2020</a:t>
             </a:fld>
             <a:endParaRPr lang="en-US"/>
           </a:p>
@@ -2346,7 +2346,7 @@
           <a:p>
             <a:fld id="{4EDE50D6-574B-40AF-946F-D52A04ADE379}" type="datetime1">
               <a:rPr lang="en-US" smtClean="0"/>
-              <a:t>5/18/20</a:t>
+              <a:t>5/20/2020</a:t>
             </a:fld>
             <a:endParaRPr lang="en-US"/>
           </a:p>
@@ -2721,7 +2721,7 @@
           <a:p>
             <a:fld id="{D82884F1-FFEA-405F-9602-3DCA865EDA4E}" type="datetime1">
               <a:rPr lang="en-US" smtClean="0"/>
-              <a:t>5/18/20</a:t>
+              <a:t>5/20/2020</a:t>
             </a:fld>
             <a:endParaRPr lang="en-US"/>
           </a:p>
@@ -3012,7 +3012,7 @@
           <a:p>
             <a:fld id="{7E18DB4A-8810-4A10-AD5C-D5E2C667F5B3}" type="datetime1">
               <a:rPr lang="en-US" smtClean="0"/>
-              <a:t>5/18/20</a:t>
+              <a:t>5/20/2020</a:t>
             </a:fld>
             <a:endParaRPr lang="en-US"/>
           </a:p>
@@ -3225,7 +3225,7 @@
           <a:p>
             <a:fld id="{ED291B17-9318-49DB-B28B-6E5994AE9581}" type="datetime1">
               <a:rPr lang="en-US" smtClean="0"/>
-              <a:t>5/18/20</a:t>
+              <a:t>5/20/2020</a:t>
             </a:fld>
             <a:endParaRPr lang="en-US"/>
           </a:p>
@@ -3873,7 +3873,7 @@
                 <a16:creationId xmlns:a16="http://schemas.microsoft.com/office/drawing/2014/main" id="{587D26DA-9773-4A0E-B213-DDF20A1F1F27}"/>
               </a:ext>
               <a:ext uri="{C183D7F6-B498-43B3-948B-1728B52AA6E4}">
-                <adec:decorative xmlns:adec="http://schemas.microsoft.com/office/drawing/2017/decorative" val="1"/>
+                <adec:decorative xmlns:adec="http://schemas.microsoft.com/office/drawing/2017/decorative" xmlns="" val="1"/>
               </a:ext>
             </a:extLst>
           </p:cNvPr>
@@ -3944,13 +3944,13 @@
         </p:nvPicPr>
         <p:blipFill rotWithShape="1">
           <a:blip r:embed="rId2"/>
-          <a:srcRect l="44" t="44" b="12909"/>
+          <a:srcRect l="1826" t="44" r="11057" b="12909"/>
           <a:stretch/>
         </p:blipFill>
         <p:spPr>
           <a:xfrm>
-            <a:off x="-258911" y="-66"/>
-            <a:ext cx="14009919" cy="6864402"/>
+            <a:off x="-9236" y="-66"/>
+            <a:ext cx="12210472" cy="6864402"/>
           </a:xfrm>
           <a:prstGeom prst="rect">
             <a:avLst/>
@@ -4183,6 +4183,13 @@
   <p:clrMapOvr>
     <a:masterClrMapping/>
   </p:clrMapOvr>
+  <p:timing>
+    <p:tnLst>
+      <p:par>
+        <p:cTn id="1" dur="indefinite" restart="never" nodeType="tmRoot"/>
+      </p:par>
+    </p:tnLst>
+  </p:timing>
 </p:sld>
 </file>
 
@@ -5294,6 +5301,13 @@
   <p:clrMapOvr>
     <a:masterClrMapping/>
   </p:clrMapOvr>
+  <p:timing>
+    <p:tnLst>
+      <p:par>
+        <p:cTn id="1" dur="indefinite" restart="never" nodeType="tmRoot"/>
+      </p:par>
+    </p:tnLst>
+  </p:timing>
 </p:sld>
 </file>
 
@@ -5532,6 +5546,13 @@
   <p:clrMapOvr>
     <a:masterClrMapping/>
   </p:clrMapOvr>
+  <p:timing>
+    <p:tnLst>
+      <p:par>
+        <p:cTn id="1" dur="indefinite" restart="never" nodeType="tmRoot"/>
+      </p:par>
+    </p:tnLst>
+  </p:timing>
 </p:sld>
 </file>
 
@@ -5875,6 +5896,13 @@
   <p:clrMapOvr>
     <a:masterClrMapping/>
   </p:clrMapOvr>
+  <p:timing>
+    <p:tnLst>
+      <p:par>
+        <p:cTn id="1" dur="indefinite" restart="never" nodeType="tmRoot"/>
+      </p:par>
+    </p:tnLst>
+  </p:timing>
 </p:sld>
 </file>
 
@@ -6329,6 +6357,13 @@
   <p:clrMapOvr>
     <a:masterClrMapping/>
   </p:clrMapOvr>
+  <p:timing>
+    <p:tnLst>
+      <p:par>
+        <p:cTn id="1" dur="indefinite" restart="never" nodeType="tmRoot"/>
+      </p:par>
+    </p:tnLst>
+  </p:timing>
 </p:sld>
 </file>
 
@@ -6464,6 +6499,13 @@
   <p:clrMapOvr>
     <a:masterClrMapping/>
   </p:clrMapOvr>
+  <p:timing>
+    <p:tnLst>
+      <p:par>
+        <p:cTn id="1" dur="indefinite" restart="never" nodeType="tmRoot"/>
+      </p:par>
+    </p:tnLst>
+  </p:timing>
 </p:sld>
 </file>
 
@@ -6500,7 +6542,7 @@
                 <a16:creationId xmlns:a16="http://schemas.microsoft.com/office/drawing/2014/main" id="{910015B9-6046-41B8-83BD-71778D2F9798}"/>
               </a:ext>
               <a:ext uri="{C183D7F6-B498-43B3-948B-1728B52AA6E4}">
-                <adec:decorative xmlns:adec="http://schemas.microsoft.com/office/drawing/2017/decorative" val="1"/>
+                <adec:decorative xmlns:adec="http://schemas.microsoft.com/office/drawing/2017/decorative" xmlns="" val="1"/>
               </a:ext>
             </a:extLst>
           </p:cNvPr>
@@ -6554,7 +6596,7 @@
                 <a16:creationId xmlns:a16="http://schemas.microsoft.com/office/drawing/2014/main" id="{53908232-52E2-4794-A6C1-54300FB98919}"/>
               </a:ext>
               <a:ext uri="{C183D7F6-B498-43B3-948B-1728B52AA6E4}">
-                <adec:decorative xmlns:adec="http://schemas.microsoft.com/office/drawing/2017/decorative" val="1"/>
+                <adec:decorative xmlns:adec="http://schemas.microsoft.com/office/drawing/2017/decorative" xmlns="" val="1"/>
               </a:ext>
             </a:extLst>
           </p:cNvPr>
@@ -6608,7 +6650,7 @@
                 <a16:creationId xmlns:a16="http://schemas.microsoft.com/office/drawing/2014/main" id="{D2B9299F-BED7-44C5-9CC5-E542F9193C2F}"/>
               </a:ext>
               <a:ext uri="{C183D7F6-B498-43B3-948B-1728B52AA6E4}">
-                <adec:decorative xmlns:adec="http://schemas.microsoft.com/office/drawing/2017/decorative" val="1"/>
+                <adec:decorative xmlns:adec="http://schemas.microsoft.com/office/drawing/2017/decorative" xmlns="" val="1"/>
               </a:ext>
             </a:extLst>
           </p:cNvPr>
@@ -6662,7 +6704,7 @@
                 <a16:creationId xmlns:a16="http://schemas.microsoft.com/office/drawing/2014/main" id="{7B34D440-E359-4CB9-B8E8-81977A860306}"/>
               </a:ext>
               <a:ext uri="{C183D7F6-B498-43B3-948B-1728B52AA6E4}">
-                <adec:decorative xmlns:adec="http://schemas.microsoft.com/office/drawing/2017/decorative" val="1"/>
+                <adec:decorative xmlns:adec="http://schemas.microsoft.com/office/drawing/2017/decorative" xmlns="" val="1"/>
               </a:ext>
             </a:extLst>
           </p:cNvPr>
@@ -6783,7 +6825,7 @@
                 <a16:creationId xmlns:a16="http://schemas.microsoft.com/office/drawing/2014/main" id="{D288FC14-B788-4FBC-9C5E-BC4892F579B0}"/>
               </a:ext>
               <a:ext uri="{C183D7F6-B498-43B3-948B-1728B52AA6E4}">
-                <adec:decorative xmlns:adec="http://schemas.microsoft.com/office/drawing/2017/decorative" val="1"/>
+                <adec:decorative xmlns:adec="http://schemas.microsoft.com/office/drawing/2017/decorative" xmlns="" val="1"/>
               </a:ext>
             </a:extLst>
           </p:cNvPr>
@@ -7601,6 +7643,13 @@
   <p:clrMapOvr>
     <a:overrideClrMapping bg1="dk1" tx1="lt1" bg2="dk2" tx2="lt2" accent1="accent1" accent2="accent2" accent3="accent3" accent4="accent4" accent5="accent5" accent6="accent6" hlink="hlink" folHlink="folHlink"/>
   </p:clrMapOvr>
+  <p:timing>
+    <p:tnLst>
+      <p:par>
+        <p:cTn id="1" dur="indefinite" restart="never" nodeType="tmRoot"/>
+      </p:par>
+    </p:tnLst>
+  </p:timing>
 </p:sld>
 </file>
 
@@ -7637,7 +7686,7 @@
                 <a16:creationId xmlns:a16="http://schemas.microsoft.com/office/drawing/2014/main" id="{DCF4EB5C-ED25-4675-8255-2F5B12CFFCF0}"/>
               </a:ext>
               <a:ext uri="{C183D7F6-B498-43B3-948B-1728B52AA6E4}">
-                <adec:decorative xmlns:adec="http://schemas.microsoft.com/office/drawing/2017/decorative" val="1"/>
+                <adec:decorative xmlns:adec="http://schemas.microsoft.com/office/drawing/2017/decorative" xmlns="" val="1"/>
               </a:ext>
             </a:extLst>
           </p:cNvPr>
@@ -7691,7 +7740,7 @@
                 <a16:creationId xmlns:a16="http://schemas.microsoft.com/office/drawing/2014/main" id="{9514EC6E-A557-42A2-BCDC-3ABFFC5E564D}"/>
               </a:ext>
               <a:ext uri="{C183D7F6-B498-43B3-948B-1728B52AA6E4}">
-                <adec:decorative xmlns:adec="http://schemas.microsoft.com/office/drawing/2017/decorative" val="1"/>
+                <adec:decorative xmlns:adec="http://schemas.microsoft.com/office/drawing/2017/decorative" xmlns="" val="1"/>
               </a:ext>
             </a:extLst>
           </p:cNvPr>
@@ -7745,7 +7794,7 @@
                 <a16:creationId xmlns:a16="http://schemas.microsoft.com/office/drawing/2014/main" id="{905482C9-EB42-4BFE-95BF-7FD661F07657}"/>
               </a:ext>
               <a:ext uri="{C183D7F6-B498-43B3-948B-1728B52AA6E4}">
-                <adec:decorative xmlns:adec="http://schemas.microsoft.com/office/drawing/2017/decorative" val="1"/>
+                <adec:decorative xmlns:adec="http://schemas.microsoft.com/office/drawing/2017/decorative" xmlns="" val="1"/>
               </a:ext>
             </a:extLst>
           </p:cNvPr>
@@ -7799,7 +7848,7 @@
                 <a16:creationId xmlns:a16="http://schemas.microsoft.com/office/drawing/2014/main" id="{F858DF7D-C2D0-4B03-A7A0-2F06B789EE35}"/>
               </a:ext>
               <a:ext uri="{C183D7F6-B498-43B3-948B-1728B52AA6E4}">
-                <adec:decorative xmlns:adec="http://schemas.microsoft.com/office/drawing/2017/decorative" val="1"/>
+                <adec:decorative xmlns:adec="http://schemas.microsoft.com/office/drawing/2017/decorative" xmlns="" val="1"/>
               </a:ext>
             </a:extLst>
           </p:cNvPr>
@@ -7859,7 +7908,7 @@
                 <a16:creationId xmlns:a16="http://schemas.microsoft.com/office/drawing/2014/main" id="{1B26B711-3121-40B0-8377-A64F3DC00C7A}"/>
               </a:ext>
               <a:ext uri="{C183D7F6-B498-43B3-948B-1728B52AA6E4}">
-                <adec:decorative xmlns:adec="http://schemas.microsoft.com/office/drawing/2017/decorative" val="1"/>
+                <adec:decorative xmlns:adec="http://schemas.microsoft.com/office/drawing/2017/decorative" xmlns="" val="1"/>
               </a:ext>
             </a:extLst>
           </p:cNvPr>
@@ -7913,7 +7962,7 @@
                 <a16:creationId xmlns:a16="http://schemas.microsoft.com/office/drawing/2014/main" id="{645C4D3D-ABBA-4B4E-93E5-01E343719849}"/>
               </a:ext>
               <a:ext uri="{C183D7F6-B498-43B3-948B-1728B52AA6E4}">
-                <adec:decorative xmlns:adec="http://schemas.microsoft.com/office/drawing/2017/decorative" val="1"/>
+                <adec:decorative xmlns:adec="http://schemas.microsoft.com/office/drawing/2017/decorative" xmlns="" val="1"/>
               </a:ext>
             </a:extLst>
           </p:cNvPr>
@@ -7967,7 +8016,7 @@
                 <a16:creationId xmlns:a16="http://schemas.microsoft.com/office/drawing/2014/main" id="{98DDD5E5-0097-4C6C-B266-5732EDA96CC4}"/>
               </a:ext>
               <a:ext uri="{C183D7F6-B498-43B3-948B-1728B52AA6E4}">
-                <adec:decorative xmlns:adec="http://schemas.microsoft.com/office/drawing/2017/decorative" val="1"/>
+                <adec:decorative xmlns:adec="http://schemas.microsoft.com/office/drawing/2017/decorative" xmlns="" val="1"/>
               </a:ext>
             </a:extLst>
           </p:cNvPr>
@@ -8021,7 +8070,7 @@
                 <a16:creationId xmlns:a16="http://schemas.microsoft.com/office/drawing/2014/main" id="{8952EF87-C74F-4D3F-9CAD-EEA1733C9BD0}"/>
               </a:ext>
               <a:ext uri="{C183D7F6-B498-43B3-948B-1728B52AA6E4}">
-                <adec:decorative xmlns:adec="http://schemas.microsoft.com/office/drawing/2017/decorative" val="1"/>
+                <adec:decorative xmlns:adec="http://schemas.microsoft.com/office/drawing/2017/decorative" xmlns="" val="1"/>
               </a:ext>
             </a:extLst>
           </p:cNvPr>
@@ -8783,6 +8832,13 @@
   <p:clrMapOvr>
     <a:masterClrMapping/>
   </p:clrMapOvr>
+  <p:timing>
+    <p:tnLst>
+      <p:par>
+        <p:cTn id="1" dur="indefinite" restart="never" nodeType="tmRoot"/>
+      </p:par>
+    </p:tnLst>
+  </p:timing>
 </p:sld>
 </file>
 
@@ -8819,7 +8875,7 @@
                 <a16:creationId xmlns:a16="http://schemas.microsoft.com/office/drawing/2014/main" id="{910015B9-6046-41B8-83BD-71778D2F9798}"/>
               </a:ext>
               <a:ext uri="{C183D7F6-B498-43B3-948B-1728B52AA6E4}">
-                <adec:decorative xmlns:adec="http://schemas.microsoft.com/office/drawing/2017/decorative" val="1"/>
+                <adec:decorative xmlns:adec="http://schemas.microsoft.com/office/drawing/2017/decorative" xmlns="" val="1"/>
               </a:ext>
             </a:extLst>
           </p:cNvPr>
@@ -8873,7 +8929,7 @@
                 <a16:creationId xmlns:a16="http://schemas.microsoft.com/office/drawing/2014/main" id="{53908232-52E2-4794-A6C1-54300FB98919}"/>
               </a:ext>
               <a:ext uri="{C183D7F6-B498-43B3-948B-1728B52AA6E4}">
-                <adec:decorative xmlns:adec="http://schemas.microsoft.com/office/drawing/2017/decorative" val="1"/>
+                <adec:decorative xmlns:adec="http://schemas.microsoft.com/office/drawing/2017/decorative" xmlns="" val="1"/>
               </a:ext>
             </a:extLst>
           </p:cNvPr>
@@ -8927,7 +8983,7 @@
                 <a16:creationId xmlns:a16="http://schemas.microsoft.com/office/drawing/2014/main" id="{D2B9299F-BED7-44C5-9CC5-E542F9193C2F}"/>
               </a:ext>
               <a:ext uri="{C183D7F6-B498-43B3-948B-1728B52AA6E4}">
-                <adec:decorative xmlns:adec="http://schemas.microsoft.com/office/drawing/2017/decorative" val="1"/>
+                <adec:decorative xmlns:adec="http://schemas.microsoft.com/office/drawing/2017/decorative" xmlns="" val="1"/>
               </a:ext>
             </a:extLst>
           </p:cNvPr>
@@ -8981,7 +9037,7 @@
                 <a16:creationId xmlns:a16="http://schemas.microsoft.com/office/drawing/2014/main" id="{504BED40-EAF7-4E55-AFF7-2CD840EBD3AA}"/>
               </a:ext>
               <a:ext uri="{C183D7F6-B498-43B3-948B-1728B52AA6E4}">
-                <adec:decorative xmlns:adec="http://schemas.microsoft.com/office/drawing/2017/decorative" val="1"/>
+                <adec:decorative xmlns:adec="http://schemas.microsoft.com/office/drawing/2017/decorative" xmlns="" val="1"/>
               </a:ext>
             </a:extLst>
           </p:cNvPr>
@@ -9083,7 +9139,7 @@
                 <a16:creationId xmlns:a16="http://schemas.microsoft.com/office/drawing/2014/main" id="{F367CCF1-BB1E-41CF-8499-94A870C33EFA}"/>
               </a:ext>
               <a:ext uri="{C183D7F6-B498-43B3-948B-1728B52AA6E4}">
-                <adec:decorative xmlns:adec="http://schemas.microsoft.com/office/drawing/2017/decorative" val="1"/>
+                <adec:decorative xmlns:adec="http://schemas.microsoft.com/office/drawing/2017/decorative" xmlns="" val="1"/>
               </a:ext>
             </a:extLst>
           </p:cNvPr>
@@ -9446,6 +9502,13 @@
   <p:clrMapOvr>
     <a:masterClrMapping/>
   </p:clrMapOvr>
+  <p:timing>
+    <p:tnLst>
+      <p:par>
+        <p:cTn id="1" dur="indefinite" restart="never" nodeType="tmRoot"/>
+      </p:par>
+    </p:tnLst>
+  </p:timing>
 </p:sld>
 </file>
 
@@ -9482,7 +9545,7 @@
                 <a16:creationId xmlns:a16="http://schemas.microsoft.com/office/drawing/2014/main" id="{910015B9-6046-41B8-83BD-71778D2F9798}"/>
               </a:ext>
               <a:ext uri="{C183D7F6-B498-43B3-948B-1728B52AA6E4}">
-                <adec:decorative xmlns:adec="http://schemas.microsoft.com/office/drawing/2017/decorative" val="1"/>
+                <adec:decorative xmlns:adec="http://schemas.microsoft.com/office/drawing/2017/decorative" xmlns="" val="1"/>
               </a:ext>
             </a:extLst>
           </p:cNvPr>
@@ -9536,7 +9599,7 @@
                 <a16:creationId xmlns:a16="http://schemas.microsoft.com/office/drawing/2014/main" id="{53908232-52E2-4794-A6C1-54300FB98919}"/>
               </a:ext>
               <a:ext uri="{C183D7F6-B498-43B3-948B-1728B52AA6E4}">
-                <adec:decorative xmlns:adec="http://schemas.microsoft.com/office/drawing/2017/decorative" val="1"/>
+                <adec:decorative xmlns:adec="http://schemas.microsoft.com/office/drawing/2017/decorative" xmlns="" val="1"/>
               </a:ext>
             </a:extLst>
           </p:cNvPr>
@@ -9590,7 +9653,7 @@
                 <a16:creationId xmlns:a16="http://schemas.microsoft.com/office/drawing/2014/main" id="{D2B9299F-BED7-44C5-9CC5-E542F9193C2F}"/>
               </a:ext>
               <a:ext uri="{C183D7F6-B498-43B3-948B-1728B52AA6E4}">
-                <adec:decorative xmlns:adec="http://schemas.microsoft.com/office/drawing/2017/decorative" val="1"/>
+                <adec:decorative xmlns:adec="http://schemas.microsoft.com/office/drawing/2017/decorative" xmlns="" val="1"/>
               </a:ext>
             </a:extLst>
           </p:cNvPr>
@@ -9644,7 +9707,7 @@
                 <a16:creationId xmlns:a16="http://schemas.microsoft.com/office/drawing/2014/main" id="{504BED40-EAF7-4E55-AFF7-2CD840EBD3AA}"/>
               </a:ext>
               <a:ext uri="{C183D7F6-B498-43B3-948B-1728B52AA6E4}">
-                <adec:decorative xmlns:adec="http://schemas.microsoft.com/office/drawing/2017/decorative" val="1"/>
+                <adec:decorative xmlns:adec="http://schemas.microsoft.com/office/drawing/2017/decorative" xmlns="" val="1"/>
               </a:ext>
             </a:extLst>
           </p:cNvPr>
@@ -9704,7 +9767,7 @@
                 <a16:creationId xmlns:a16="http://schemas.microsoft.com/office/drawing/2014/main" id="{F367CCF1-BB1E-41CF-8499-94A870C33EFA}"/>
               </a:ext>
               <a:ext uri="{C183D7F6-B498-43B3-948B-1728B52AA6E4}">
-                <adec:decorative xmlns:adec="http://schemas.microsoft.com/office/drawing/2017/decorative" val="1"/>
+                <adec:decorative xmlns:adec="http://schemas.microsoft.com/office/drawing/2017/decorative" xmlns="" val="1"/>
               </a:ext>
             </a:extLst>
           </p:cNvPr>
@@ -9984,6 +10047,13 @@
   <p:clrMapOvr>
     <a:masterClrMapping/>
   </p:clrMapOvr>
+  <p:timing>
+    <p:tnLst>
+      <p:par>
+        <p:cTn id="1" dur="indefinite" restart="never" nodeType="tmRoot"/>
+      </p:par>
+    </p:tnLst>
+  </p:timing>
 </p:sld>
 </file>
 
@@ -11745,6 +11815,13 @@
   <p:clrMapOvr>
     <a:masterClrMapping/>
   </p:clrMapOvr>
+  <p:timing>
+    <p:tnLst>
+      <p:par>
+        <p:cTn id="1" dur="indefinite" restart="never" nodeType="tmRoot"/>
+      </p:par>
+    </p:tnLst>
+  </p:timing>
 </p:sld>
 </file>
 
@@ -12785,6 +12862,13 @@
   <p:clrMapOvr>
     <a:masterClrMapping/>
   </p:clrMapOvr>
+  <p:timing>
+    <p:tnLst>
+      <p:par>
+        <p:cTn id="1" dur="indefinite" restart="never" nodeType="tmRoot"/>
+      </p:par>
+    </p:tnLst>
+  </p:timing>
 </p:sld>
 </file>
 
@@ -13007,6 +13091,13 @@
   <p:clrMapOvr>
     <a:masterClrMapping/>
   </p:clrMapOvr>
+  <p:timing>
+    <p:tnLst>
+      <p:par>
+        <p:cTn id="1" dur="indefinite" restart="never" nodeType="tmRoot"/>
+      </p:par>
+    </p:tnLst>
+  </p:timing>
 </p:sld>
 </file>
 
@@ -13627,6 +13718,13 @@
   <p:clrMapOvr>
     <a:masterClrMapping/>
   </p:clrMapOvr>
+  <p:timing>
+    <p:tnLst>
+      <p:par>
+        <p:cTn id="1" dur="indefinite" restart="never" nodeType="tmRoot"/>
+      </p:par>
+    </p:tnLst>
+  </p:timing>
 </p:sld>
 </file>
 
